--- a/ppt 16-9/1570.兴起发光.pptx
+++ b/ppt 16-9/1570.兴起发光.pptx
@@ -129,7 +129,7 @@
           <p:cNvPr id="2" name="标题 1">
             <a:extLst>
               <a:ext uri="{FF2B5EF4-FFF2-40B4-BE49-F238E27FC236}">
-                <a16:creationId xmlns:a16="http://schemas.microsoft.com/office/drawing/2014/main" id="{AAAABECD-785A-538E-5FD4-31B2C2A1B533}"/>
+                <a16:creationId xmlns:a16="http://schemas.microsoft.com/office/drawing/2014/main" id="{0A2ED59C-3037-380F-EC24-07BFD1C11025}"/>
               </a:ext>
             </a:extLst>
           </p:cNvPr>
@@ -166,7 +166,7 @@
           <p:cNvPr id="3" name="副标题 2">
             <a:extLst>
               <a:ext uri="{FF2B5EF4-FFF2-40B4-BE49-F238E27FC236}">
-                <a16:creationId xmlns:a16="http://schemas.microsoft.com/office/drawing/2014/main" id="{04DAA1F4-9319-BDBB-69F6-A17010EE2DD7}"/>
+                <a16:creationId xmlns:a16="http://schemas.microsoft.com/office/drawing/2014/main" id="{A11DE530-665F-337D-FDC7-BEAF179D641E}"/>
               </a:ext>
             </a:extLst>
           </p:cNvPr>
@@ -236,7 +236,7 @@
           <p:cNvPr id="4" name="日期占位符 3">
             <a:extLst>
               <a:ext uri="{FF2B5EF4-FFF2-40B4-BE49-F238E27FC236}">
-                <a16:creationId xmlns:a16="http://schemas.microsoft.com/office/drawing/2014/main" id="{074A7E4C-599F-B6A9-1424-D4E28ED972F9}"/>
+                <a16:creationId xmlns:a16="http://schemas.microsoft.com/office/drawing/2014/main" id="{EE796E52-24FC-C442-0A8B-1C8FC4B6E7F5}"/>
               </a:ext>
             </a:extLst>
           </p:cNvPr>
@@ -252,7 +252,7 @@
           <a:bodyPr/>
           <a:lstStyle/>
           <a:p>
-            <a:fld id="{7792F236-A4E7-4512-9EA4-AD655AD43D5C}" type="datetimeFigureOut">
+            <a:fld id="{851B6C3F-8D5B-4942-8F8D-9296C8B56F5C}" type="datetimeFigureOut">
               <a:rPr lang="zh-CN" altLang="en-US" smtClean="0"/>
               <a:t>2024/3/10</a:t>
             </a:fld>
@@ -265,7 +265,7 @@
           <p:cNvPr id="5" name="页脚占位符 4">
             <a:extLst>
               <a:ext uri="{FF2B5EF4-FFF2-40B4-BE49-F238E27FC236}">
-                <a16:creationId xmlns:a16="http://schemas.microsoft.com/office/drawing/2014/main" id="{83A42C51-2330-0547-6090-5FB8BFF4F502}"/>
+                <a16:creationId xmlns:a16="http://schemas.microsoft.com/office/drawing/2014/main" id="{4181DDDE-5E4B-1687-FC9C-5C32A8F2DDB1}"/>
               </a:ext>
             </a:extLst>
           </p:cNvPr>
@@ -290,7 +290,7 @@
           <p:cNvPr id="6" name="灯片编号占位符 5">
             <a:extLst>
               <a:ext uri="{FF2B5EF4-FFF2-40B4-BE49-F238E27FC236}">
-                <a16:creationId xmlns:a16="http://schemas.microsoft.com/office/drawing/2014/main" id="{876A35B7-3955-2406-16C4-B3B64B169F8E}"/>
+                <a16:creationId xmlns:a16="http://schemas.microsoft.com/office/drawing/2014/main" id="{0FD9658F-59FA-FC14-5C5C-E606523C595A}"/>
               </a:ext>
             </a:extLst>
           </p:cNvPr>
@@ -306,7 +306,7 @@
           <a:bodyPr/>
           <a:lstStyle/>
           <a:p>
-            <a:fld id="{D6F8AEB8-A874-475D-B75B-54E7C2BC1D3D}" type="slidenum">
+            <a:fld id="{16C4E04F-2E20-4B24-A42A-63881959CE36}" type="slidenum">
               <a:rPr lang="zh-CN" altLang="en-US" smtClean="0"/>
               <a:t>‹#›</a:t>
             </a:fld>
@@ -317,7 +317,7 @@
     </p:spTree>
     <p:extLst>
       <p:ext uri="{BB962C8B-B14F-4D97-AF65-F5344CB8AC3E}">
-        <p14:creationId xmlns:p14="http://schemas.microsoft.com/office/powerpoint/2010/main" val="3146378189"/>
+        <p14:creationId xmlns:p14="http://schemas.microsoft.com/office/powerpoint/2010/main" val="2736292638"/>
       </p:ext>
     </p:extLst>
   </p:cSld>
@@ -349,7 +349,7 @@
           <p:cNvPr id="2" name="标题 1">
             <a:extLst>
               <a:ext uri="{FF2B5EF4-FFF2-40B4-BE49-F238E27FC236}">
-                <a16:creationId xmlns:a16="http://schemas.microsoft.com/office/drawing/2014/main" id="{1C77E18B-1831-8F47-A191-7E5B086D38AE}"/>
+                <a16:creationId xmlns:a16="http://schemas.microsoft.com/office/drawing/2014/main" id="{B1719B3A-5539-BA1A-A378-1BA5DB68E150}"/>
               </a:ext>
             </a:extLst>
           </p:cNvPr>
@@ -377,7 +377,7 @@
           <p:cNvPr id="3" name="竖排文字占位符 2">
             <a:extLst>
               <a:ext uri="{FF2B5EF4-FFF2-40B4-BE49-F238E27FC236}">
-                <a16:creationId xmlns:a16="http://schemas.microsoft.com/office/drawing/2014/main" id="{E8ABCFE8-699E-70FD-4EF6-9CE985504186}"/>
+                <a16:creationId xmlns:a16="http://schemas.microsoft.com/office/drawing/2014/main" id="{FE60903A-B419-A87F-82E5-CD2201741D3B}"/>
               </a:ext>
             </a:extLst>
           </p:cNvPr>
@@ -434,7 +434,7 @@
           <p:cNvPr id="4" name="日期占位符 3">
             <a:extLst>
               <a:ext uri="{FF2B5EF4-FFF2-40B4-BE49-F238E27FC236}">
-                <a16:creationId xmlns:a16="http://schemas.microsoft.com/office/drawing/2014/main" id="{1493EC8C-A57A-7144-A72F-23A0760AD224}"/>
+                <a16:creationId xmlns:a16="http://schemas.microsoft.com/office/drawing/2014/main" id="{74A448E0-0612-7182-E5E9-10CDC9DD8890}"/>
               </a:ext>
             </a:extLst>
           </p:cNvPr>
@@ -450,7 +450,7 @@
           <a:bodyPr/>
           <a:lstStyle/>
           <a:p>
-            <a:fld id="{7792F236-A4E7-4512-9EA4-AD655AD43D5C}" type="datetimeFigureOut">
+            <a:fld id="{851B6C3F-8D5B-4942-8F8D-9296C8B56F5C}" type="datetimeFigureOut">
               <a:rPr lang="zh-CN" altLang="en-US" smtClean="0"/>
               <a:t>2024/3/10</a:t>
             </a:fld>
@@ -463,7 +463,7 @@
           <p:cNvPr id="5" name="页脚占位符 4">
             <a:extLst>
               <a:ext uri="{FF2B5EF4-FFF2-40B4-BE49-F238E27FC236}">
-                <a16:creationId xmlns:a16="http://schemas.microsoft.com/office/drawing/2014/main" id="{23647B7A-46F6-4B27-D79F-F88BF3C7F814}"/>
+                <a16:creationId xmlns:a16="http://schemas.microsoft.com/office/drawing/2014/main" id="{17597B5E-0665-8FD4-560B-86DD5FCB3127}"/>
               </a:ext>
             </a:extLst>
           </p:cNvPr>
@@ -488,7 +488,7 @@
           <p:cNvPr id="6" name="灯片编号占位符 5">
             <a:extLst>
               <a:ext uri="{FF2B5EF4-FFF2-40B4-BE49-F238E27FC236}">
-                <a16:creationId xmlns:a16="http://schemas.microsoft.com/office/drawing/2014/main" id="{4D8AAA80-3323-6D71-05BB-DC9D14BFBCF9}"/>
+                <a16:creationId xmlns:a16="http://schemas.microsoft.com/office/drawing/2014/main" id="{DAB6D155-CDF8-E0DA-6133-D542F14D0556}"/>
               </a:ext>
             </a:extLst>
           </p:cNvPr>
@@ -504,7 +504,7 @@
           <a:bodyPr/>
           <a:lstStyle/>
           <a:p>
-            <a:fld id="{D6F8AEB8-A874-475D-B75B-54E7C2BC1D3D}" type="slidenum">
+            <a:fld id="{16C4E04F-2E20-4B24-A42A-63881959CE36}" type="slidenum">
               <a:rPr lang="zh-CN" altLang="en-US" smtClean="0"/>
               <a:t>‹#›</a:t>
             </a:fld>
@@ -515,7 +515,7 @@
     </p:spTree>
     <p:extLst>
       <p:ext uri="{BB962C8B-B14F-4D97-AF65-F5344CB8AC3E}">
-        <p14:creationId xmlns:p14="http://schemas.microsoft.com/office/powerpoint/2010/main" val="4013340218"/>
+        <p14:creationId xmlns:p14="http://schemas.microsoft.com/office/powerpoint/2010/main" val="1394913768"/>
       </p:ext>
     </p:extLst>
   </p:cSld>
@@ -547,7 +547,7 @@
           <p:cNvPr id="2" name="竖排标题 1">
             <a:extLst>
               <a:ext uri="{FF2B5EF4-FFF2-40B4-BE49-F238E27FC236}">
-                <a16:creationId xmlns:a16="http://schemas.microsoft.com/office/drawing/2014/main" id="{44A97AB5-9C50-C6A0-A41B-D28E19909A09}"/>
+                <a16:creationId xmlns:a16="http://schemas.microsoft.com/office/drawing/2014/main" id="{39E85737-D0F6-B7A1-8C09-DA1B0DF09170}"/>
               </a:ext>
             </a:extLst>
           </p:cNvPr>
@@ -580,7 +580,7 @@
           <p:cNvPr id="3" name="竖排文字占位符 2">
             <a:extLst>
               <a:ext uri="{FF2B5EF4-FFF2-40B4-BE49-F238E27FC236}">
-                <a16:creationId xmlns:a16="http://schemas.microsoft.com/office/drawing/2014/main" id="{1CA839A8-CA0A-0EC6-4C45-6F48E65E8EFF}"/>
+                <a16:creationId xmlns:a16="http://schemas.microsoft.com/office/drawing/2014/main" id="{B9E7C1E6-4B9C-B1BB-6169-4E97DFF336B5}"/>
               </a:ext>
             </a:extLst>
           </p:cNvPr>
@@ -642,7 +642,7 @@
           <p:cNvPr id="4" name="日期占位符 3">
             <a:extLst>
               <a:ext uri="{FF2B5EF4-FFF2-40B4-BE49-F238E27FC236}">
-                <a16:creationId xmlns:a16="http://schemas.microsoft.com/office/drawing/2014/main" id="{9F0982F5-72A4-FA79-6FB0-5F522B9DF331}"/>
+                <a16:creationId xmlns:a16="http://schemas.microsoft.com/office/drawing/2014/main" id="{AED3D474-6DF7-4FF9-4537-928D8A388569}"/>
               </a:ext>
             </a:extLst>
           </p:cNvPr>
@@ -658,7 +658,7 @@
           <a:bodyPr/>
           <a:lstStyle/>
           <a:p>
-            <a:fld id="{7792F236-A4E7-4512-9EA4-AD655AD43D5C}" type="datetimeFigureOut">
+            <a:fld id="{851B6C3F-8D5B-4942-8F8D-9296C8B56F5C}" type="datetimeFigureOut">
               <a:rPr lang="zh-CN" altLang="en-US" smtClean="0"/>
               <a:t>2024/3/10</a:t>
             </a:fld>
@@ -671,7 +671,7 @@
           <p:cNvPr id="5" name="页脚占位符 4">
             <a:extLst>
               <a:ext uri="{FF2B5EF4-FFF2-40B4-BE49-F238E27FC236}">
-                <a16:creationId xmlns:a16="http://schemas.microsoft.com/office/drawing/2014/main" id="{EDAF1B24-6400-CDFE-292C-9DA07B330406}"/>
+                <a16:creationId xmlns:a16="http://schemas.microsoft.com/office/drawing/2014/main" id="{E41D7EC3-F1D1-A9ED-4A8C-66C807709CA6}"/>
               </a:ext>
             </a:extLst>
           </p:cNvPr>
@@ -696,7 +696,7 @@
           <p:cNvPr id="6" name="灯片编号占位符 5">
             <a:extLst>
               <a:ext uri="{FF2B5EF4-FFF2-40B4-BE49-F238E27FC236}">
-                <a16:creationId xmlns:a16="http://schemas.microsoft.com/office/drawing/2014/main" id="{C6CCB2FA-6B2F-3D39-D11F-26EDDD99F238}"/>
+                <a16:creationId xmlns:a16="http://schemas.microsoft.com/office/drawing/2014/main" id="{1F63A4A3-4E93-304B-BAFE-639F8C4F4420}"/>
               </a:ext>
             </a:extLst>
           </p:cNvPr>
@@ -712,7 +712,7 @@
           <a:bodyPr/>
           <a:lstStyle/>
           <a:p>
-            <a:fld id="{D6F8AEB8-A874-475D-B75B-54E7C2BC1D3D}" type="slidenum">
+            <a:fld id="{16C4E04F-2E20-4B24-A42A-63881959CE36}" type="slidenum">
               <a:rPr lang="zh-CN" altLang="en-US" smtClean="0"/>
               <a:t>‹#›</a:t>
             </a:fld>
@@ -723,7 +723,7 @@
     </p:spTree>
     <p:extLst>
       <p:ext uri="{BB962C8B-B14F-4D97-AF65-F5344CB8AC3E}">
-        <p14:creationId xmlns:p14="http://schemas.microsoft.com/office/powerpoint/2010/main" val="3290024843"/>
+        <p14:creationId xmlns:p14="http://schemas.microsoft.com/office/powerpoint/2010/main" val="116310880"/>
       </p:ext>
     </p:extLst>
   </p:cSld>
@@ -755,7 +755,7 @@
           <p:cNvPr id="2" name="标题 1">
             <a:extLst>
               <a:ext uri="{FF2B5EF4-FFF2-40B4-BE49-F238E27FC236}">
-                <a16:creationId xmlns:a16="http://schemas.microsoft.com/office/drawing/2014/main" id="{5175C50F-B5C8-1121-5006-B1608069D2F3}"/>
+                <a16:creationId xmlns:a16="http://schemas.microsoft.com/office/drawing/2014/main" id="{B90BE0FC-A50D-EB61-322A-8766C1976F08}"/>
               </a:ext>
             </a:extLst>
           </p:cNvPr>
@@ -783,7 +783,7 @@
           <p:cNvPr id="3" name="内容占位符 2">
             <a:extLst>
               <a:ext uri="{FF2B5EF4-FFF2-40B4-BE49-F238E27FC236}">
-                <a16:creationId xmlns:a16="http://schemas.microsoft.com/office/drawing/2014/main" id="{A315B80A-E907-6C38-CB57-F554D7570FBA}"/>
+                <a16:creationId xmlns:a16="http://schemas.microsoft.com/office/drawing/2014/main" id="{EF531D52-AEFA-D91D-7DBC-B76AE756C877}"/>
               </a:ext>
             </a:extLst>
           </p:cNvPr>
@@ -840,7 +840,7 @@
           <p:cNvPr id="4" name="日期占位符 3">
             <a:extLst>
               <a:ext uri="{FF2B5EF4-FFF2-40B4-BE49-F238E27FC236}">
-                <a16:creationId xmlns:a16="http://schemas.microsoft.com/office/drawing/2014/main" id="{854AC404-154E-AA1B-B201-E8BBBFB0FF86}"/>
+                <a16:creationId xmlns:a16="http://schemas.microsoft.com/office/drawing/2014/main" id="{A30C8900-D738-C9D2-7537-C09FDDC06C93}"/>
               </a:ext>
             </a:extLst>
           </p:cNvPr>
@@ -856,7 +856,7 @@
           <a:bodyPr/>
           <a:lstStyle/>
           <a:p>
-            <a:fld id="{7792F236-A4E7-4512-9EA4-AD655AD43D5C}" type="datetimeFigureOut">
+            <a:fld id="{851B6C3F-8D5B-4942-8F8D-9296C8B56F5C}" type="datetimeFigureOut">
               <a:rPr lang="zh-CN" altLang="en-US" smtClean="0"/>
               <a:t>2024/3/10</a:t>
             </a:fld>
@@ -869,7 +869,7 @@
           <p:cNvPr id="5" name="页脚占位符 4">
             <a:extLst>
               <a:ext uri="{FF2B5EF4-FFF2-40B4-BE49-F238E27FC236}">
-                <a16:creationId xmlns:a16="http://schemas.microsoft.com/office/drawing/2014/main" id="{D2C7AF09-9F35-102A-087E-2E01D6B8A8AB}"/>
+                <a16:creationId xmlns:a16="http://schemas.microsoft.com/office/drawing/2014/main" id="{0EDBC2C6-837B-FEAD-0B72-A8A38CB60AAE}"/>
               </a:ext>
             </a:extLst>
           </p:cNvPr>
@@ -894,7 +894,7 @@
           <p:cNvPr id="6" name="灯片编号占位符 5">
             <a:extLst>
               <a:ext uri="{FF2B5EF4-FFF2-40B4-BE49-F238E27FC236}">
-                <a16:creationId xmlns:a16="http://schemas.microsoft.com/office/drawing/2014/main" id="{4D5860B7-84C4-7867-B691-6AF4232720A7}"/>
+                <a16:creationId xmlns:a16="http://schemas.microsoft.com/office/drawing/2014/main" id="{A2336B83-BCCE-7AFC-43E9-84392B749A5A}"/>
               </a:ext>
             </a:extLst>
           </p:cNvPr>
@@ -910,7 +910,7 @@
           <a:bodyPr/>
           <a:lstStyle/>
           <a:p>
-            <a:fld id="{D6F8AEB8-A874-475D-B75B-54E7C2BC1D3D}" type="slidenum">
+            <a:fld id="{16C4E04F-2E20-4B24-A42A-63881959CE36}" type="slidenum">
               <a:rPr lang="zh-CN" altLang="en-US" smtClean="0"/>
               <a:t>‹#›</a:t>
             </a:fld>
@@ -921,7 +921,7 @@
     </p:spTree>
     <p:extLst>
       <p:ext uri="{BB962C8B-B14F-4D97-AF65-F5344CB8AC3E}">
-        <p14:creationId xmlns:p14="http://schemas.microsoft.com/office/powerpoint/2010/main" val="1435320216"/>
+        <p14:creationId xmlns:p14="http://schemas.microsoft.com/office/powerpoint/2010/main" val="953655666"/>
       </p:ext>
     </p:extLst>
   </p:cSld>
@@ -953,7 +953,7 @@
           <p:cNvPr id="2" name="标题 1">
             <a:extLst>
               <a:ext uri="{FF2B5EF4-FFF2-40B4-BE49-F238E27FC236}">
-                <a16:creationId xmlns:a16="http://schemas.microsoft.com/office/drawing/2014/main" id="{2FAE46AD-FF7A-7281-CE23-5B91498F6207}"/>
+                <a16:creationId xmlns:a16="http://schemas.microsoft.com/office/drawing/2014/main" id="{0E62791C-722C-F017-785B-16561CED98E1}"/>
               </a:ext>
             </a:extLst>
           </p:cNvPr>
@@ -990,7 +990,7 @@
           <p:cNvPr id="3" name="文本占位符 2">
             <a:extLst>
               <a:ext uri="{FF2B5EF4-FFF2-40B4-BE49-F238E27FC236}">
-                <a16:creationId xmlns:a16="http://schemas.microsoft.com/office/drawing/2014/main" id="{A9776FE2-850B-BBB4-4034-D7D76B439B91}"/>
+                <a16:creationId xmlns:a16="http://schemas.microsoft.com/office/drawing/2014/main" id="{D66715BD-56D1-FCE0-320E-636CF7C5ACB1}"/>
               </a:ext>
             </a:extLst>
           </p:cNvPr>
@@ -1115,7 +1115,7 @@
           <p:cNvPr id="4" name="日期占位符 3">
             <a:extLst>
               <a:ext uri="{FF2B5EF4-FFF2-40B4-BE49-F238E27FC236}">
-                <a16:creationId xmlns:a16="http://schemas.microsoft.com/office/drawing/2014/main" id="{0A26004E-6277-83F0-06C7-F037A3FC2CBE}"/>
+                <a16:creationId xmlns:a16="http://schemas.microsoft.com/office/drawing/2014/main" id="{2882EA69-27F1-053C-AAB6-FD8913E77D9E}"/>
               </a:ext>
             </a:extLst>
           </p:cNvPr>
@@ -1131,7 +1131,7 @@
           <a:bodyPr/>
           <a:lstStyle/>
           <a:p>
-            <a:fld id="{7792F236-A4E7-4512-9EA4-AD655AD43D5C}" type="datetimeFigureOut">
+            <a:fld id="{851B6C3F-8D5B-4942-8F8D-9296C8B56F5C}" type="datetimeFigureOut">
               <a:rPr lang="zh-CN" altLang="en-US" smtClean="0"/>
               <a:t>2024/3/10</a:t>
             </a:fld>
@@ -1144,7 +1144,7 @@
           <p:cNvPr id="5" name="页脚占位符 4">
             <a:extLst>
               <a:ext uri="{FF2B5EF4-FFF2-40B4-BE49-F238E27FC236}">
-                <a16:creationId xmlns:a16="http://schemas.microsoft.com/office/drawing/2014/main" id="{C48E89EA-FF6A-551B-6962-4BBF723425CA}"/>
+                <a16:creationId xmlns:a16="http://schemas.microsoft.com/office/drawing/2014/main" id="{7F20A28F-9C5D-F812-844B-73EBCBC8E077}"/>
               </a:ext>
             </a:extLst>
           </p:cNvPr>
@@ -1169,7 +1169,7 @@
           <p:cNvPr id="6" name="灯片编号占位符 5">
             <a:extLst>
               <a:ext uri="{FF2B5EF4-FFF2-40B4-BE49-F238E27FC236}">
-                <a16:creationId xmlns:a16="http://schemas.microsoft.com/office/drawing/2014/main" id="{B0B0AA56-9477-F7E8-B362-3082AE6A3E52}"/>
+                <a16:creationId xmlns:a16="http://schemas.microsoft.com/office/drawing/2014/main" id="{C4137F18-F5A5-D2DB-EEFF-A740BBDE21CC}"/>
               </a:ext>
             </a:extLst>
           </p:cNvPr>
@@ -1185,7 +1185,7 @@
           <a:bodyPr/>
           <a:lstStyle/>
           <a:p>
-            <a:fld id="{D6F8AEB8-A874-475D-B75B-54E7C2BC1D3D}" type="slidenum">
+            <a:fld id="{16C4E04F-2E20-4B24-A42A-63881959CE36}" type="slidenum">
               <a:rPr lang="zh-CN" altLang="en-US" smtClean="0"/>
               <a:t>‹#›</a:t>
             </a:fld>
@@ -1196,7 +1196,7 @@
     </p:spTree>
     <p:extLst>
       <p:ext uri="{BB962C8B-B14F-4D97-AF65-F5344CB8AC3E}">
-        <p14:creationId xmlns:p14="http://schemas.microsoft.com/office/powerpoint/2010/main" val="709303218"/>
+        <p14:creationId xmlns:p14="http://schemas.microsoft.com/office/powerpoint/2010/main" val="2522586884"/>
       </p:ext>
     </p:extLst>
   </p:cSld>
@@ -1228,7 +1228,7 @@
           <p:cNvPr id="2" name="标题 1">
             <a:extLst>
               <a:ext uri="{FF2B5EF4-FFF2-40B4-BE49-F238E27FC236}">
-                <a16:creationId xmlns:a16="http://schemas.microsoft.com/office/drawing/2014/main" id="{51D97F35-908E-2534-3A2E-CD16BBCC50B0}"/>
+                <a16:creationId xmlns:a16="http://schemas.microsoft.com/office/drawing/2014/main" id="{99B81CEF-CA0A-FB25-FD88-5F9C0E7C465A}"/>
               </a:ext>
             </a:extLst>
           </p:cNvPr>
@@ -1256,7 +1256,7 @@
           <p:cNvPr id="3" name="内容占位符 2">
             <a:extLst>
               <a:ext uri="{FF2B5EF4-FFF2-40B4-BE49-F238E27FC236}">
-                <a16:creationId xmlns:a16="http://schemas.microsoft.com/office/drawing/2014/main" id="{DC3740FB-5091-BBE2-E820-A1A8E6528159}"/>
+                <a16:creationId xmlns:a16="http://schemas.microsoft.com/office/drawing/2014/main" id="{605868DF-E400-C6B5-D3A0-0D4D650BE770}"/>
               </a:ext>
             </a:extLst>
           </p:cNvPr>
@@ -1318,7 +1318,7 @@
           <p:cNvPr id="4" name="内容占位符 3">
             <a:extLst>
               <a:ext uri="{FF2B5EF4-FFF2-40B4-BE49-F238E27FC236}">
-                <a16:creationId xmlns:a16="http://schemas.microsoft.com/office/drawing/2014/main" id="{1832E07C-8EA5-1DCE-6122-5D8844FB63B5}"/>
+                <a16:creationId xmlns:a16="http://schemas.microsoft.com/office/drawing/2014/main" id="{8B464E7D-DCA1-C455-35BB-C77DB24D71AA}"/>
               </a:ext>
             </a:extLst>
           </p:cNvPr>
@@ -1380,7 +1380,7 @@
           <p:cNvPr id="5" name="日期占位符 4">
             <a:extLst>
               <a:ext uri="{FF2B5EF4-FFF2-40B4-BE49-F238E27FC236}">
-                <a16:creationId xmlns:a16="http://schemas.microsoft.com/office/drawing/2014/main" id="{E4E5175A-F922-6195-2A1F-364A44B3A3EA}"/>
+                <a16:creationId xmlns:a16="http://schemas.microsoft.com/office/drawing/2014/main" id="{621374B8-554F-EC23-EC77-F4392D037285}"/>
               </a:ext>
             </a:extLst>
           </p:cNvPr>
@@ -1396,7 +1396,7 @@
           <a:bodyPr/>
           <a:lstStyle/>
           <a:p>
-            <a:fld id="{7792F236-A4E7-4512-9EA4-AD655AD43D5C}" type="datetimeFigureOut">
+            <a:fld id="{851B6C3F-8D5B-4942-8F8D-9296C8B56F5C}" type="datetimeFigureOut">
               <a:rPr lang="zh-CN" altLang="en-US" smtClean="0"/>
               <a:t>2024/3/10</a:t>
             </a:fld>
@@ -1409,7 +1409,7 @@
           <p:cNvPr id="6" name="页脚占位符 5">
             <a:extLst>
               <a:ext uri="{FF2B5EF4-FFF2-40B4-BE49-F238E27FC236}">
-                <a16:creationId xmlns:a16="http://schemas.microsoft.com/office/drawing/2014/main" id="{4D414B62-9A0B-D00B-8C34-5741E759639C}"/>
+                <a16:creationId xmlns:a16="http://schemas.microsoft.com/office/drawing/2014/main" id="{B01052FB-FA81-A254-01C6-B992FDBB74C3}"/>
               </a:ext>
             </a:extLst>
           </p:cNvPr>
@@ -1434,7 +1434,7 @@
           <p:cNvPr id="7" name="灯片编号占位符 6">
             <a:extLst>
               <a:ext uri="{FF2B5EF4-FFF2-40B4-BE49-F238E27FC236}">
-                <a16:creationId xmlns:a16="http://schemas.microsoft.com/office/drawing/2014/main" id="{37999617-7E69-653D-EBAB-553109F7D6FD}"/>
+                <a16:creationId xmlns:a16="http://schemas.microsoft.com/office/drawing/2014/main" id="{93FDC71C-7FE7-E3D9-7B38-35F9E2E2781C}"/>
               </a:ext>
             </a:extLst>
           </p:cNvPr>
@@ -1450,7 +1450,7 @@
           <a:bodyPr/>
           <a:lstStyle/>
           <a:p>
-            <a:fld id="{D6F8AEB8-A874-475D-B75B-54E7C2BC1D3D}" type="slidenum">
+            <a:fld id="{16C4E04F-2E20-4B24-A42A-63881959CE36}" type="slidenum">
               <a:rPr lang="zh-CN" altLang="en-US" smtClean="0"/>
               <a:t>‹#›</a:t>
             </a:fld>
@@ -1461,7 +1461,7 @@
     </p:spTree>
     <p:extLst>
       <p:ext uri="{BB962C8B-B14F-4D97-AF65-F5344CB8AC3E}">
-        <p14:creationId xmlns:p14="http://schemas.microsoft.com/office/powerpoint/2010/main" val="3241134356"/>
+        <p14:creationId xmlns:p14="http://schemas.microsoft.com/office/powerpoint/2010/main" val="564140491"/>
       </p:ext>
     </p:extLst>
   </p:cSld>
@@ -1493,7 +1493,7 @@
           <p:cNvPr id="2" name="标题 1">
             <a:extLst>
               <a:ext uri="{FF2B5EF4-FFF2-40B4-BE49-F238E27FC236}">
-                <a16:creationId xmlns:a16="http://schemas.microsoft.com/office/drawing/2014/main" id="{E86CADC3-0D94-6645-FCC3-AF645F4BA063}"/>
+                <a16:creationId xmlns:a16="http://schemas.microsoft.com/office/drawing/2014/main" id="{23EE9BAF-6B14-FBB0-8C83-D0B138C322FB}"/>
               </a:ext>
             </a:extLst>
           </p:cNvPr>
@@ -1526,7 +1526,7 @@
           <p:cNvPr id="3" name="文本占位符 2">
             <a:extLst>
               <a:ext uri="{FF2B5EF4-FFF2-40B4-BE49-F238E27FC236}">
-                <a16:creationId xmlns:a16="http://schemas.microsoft.com/office/drawing/2014/main" id="{2B4FF981-5016-E4CC-F2CC-528F40B6211D}"/>
+                <a16:creationId xmlns:a16="http://schemas.microsoft.com/office/drawing/2014/main" id="{3730FAB9-B8AA-86C8-9B72-402FA600E29B}"/>
               </a:ext>
             </a:extLst>
           </p:cNvPr>
@@ -1597,7 +1597,7 @@
           <p:cNvPr id="4" name="内容占位符 3">
             <a:extLst>
               <a:ext uri="{FF2B5EF4-FFF2-40B4-BE49-F238E27FC236}">
-                <a16:creationId xmlns:a16="http://schemas.microsoft.com/office/drawing/2014/main" id="{23D6FABF-DF51-CD40-78E8-292C8558A5EF}"/>
+                <a16:creationId xmlns:a16="http://schemas.microsoft.com/office/drawing/2014/main" id="{72B819FE-7C78-D1EE-D329-A4C5D7A1EC80}"/>
               </a:ext>
             </a:extLst>
           </p:cNvPr>
@@ -1659,7 +1659,7 @@
           <p:cNvPr id="5" name="文本占位符 4">
             <a:extLst>
               <a:ext uri="{FF2B5EF4-FFF2-40B4-BE49-F238E27FC236}">
-                <a16:creationId xmlns:a16="http://schemas.microsoft.com/office/drawing/2014/main" id="{C39165D4-55D5-DE95-2585-AEB242BFEB7E}"/>
+                <a16:creationId xmlns:a16="http://schemas.microsoft.com/office/drawing/2014/main" id="{823B6895-0757-5C39-1727-72FD6897C1EA}"/>
               </a:ext>
             </a:extLst>
           </p:cNvPr>
@@ -1730,7 +1730,7 @@
           <p:cNvPr id="6" name="内容占位符 5">
             <a:extLst>
               <a:ext uri="{FF2B5EF4-FFF2-40B4-BE49-F238E27FC236}">
-                <a16:creationId xmlns:a16="http://schemas.microsoft.com/office/drawing/2014/main" id="{1315A24E-5449-26E4-CBA5-93B0E62A767A}"/>
+                <a16:creationId xmlns:a16="http://schemas.microsoft.com/office/drawing/2014/main" id="{E89B4431-B44E-8705-BB0E-0BFEEFAFECE0}"/>
               </a:ext>
             </a:extLst>
           </p:cNvPr>
@@ -1792,7 +1792,7 @@
           <p:cNvPr id="7" name="日期占位符 6">
             <a:extLst>
               <a:ext uri="{FF2B5EF4-FFF2-40B4-BE49-F238E27FC236}">
-                <a16:creationId xmlns:a16="http://schemas.microsoft.com/office/drawing/2014/main" id="{A8263418-2FF4-9B5A-2B21-44BD3DC4B74F}"/>
+                <a16:creationId xmlns:a16="http://schemas.microsoft.com/office/drawing/2014/main" id="{50669A78-7194-7DBA-D348-F3FD29B1095A}"/>
               </a:ext>
             </a:extLst>
           </p:cNvPr>
@@ -1808,7 +1808,7 @@
           <a:bodyPr/>
           <a:lstStyle/>
           <a:p>
-            <a:fld id="{7792F236-A4E7-4512-9EA4-AD655AD43D5C}" type="datetimeFigureOut">
+            <a:fld id="{851B6C3F-8D5B-4942-8F8D-9296C8B56F5C}" type="datetimeFigureOut">
               <a:rPr lang="zh-CN" altLang="en-US" smtClean="0"/>
               <a:t>2024/3/10</a:t>
             </a:fld>
@@ -1821,7 +1821,7 @@
           <p:cNvPr id="8" name="页脚占位符 7">
             <a:extLst>
               <a:ext uri="{FF2B5EF4-FFF2-40B4-BE49-F238E27FC236}">
-                <a16:creationId xmlns:a16="http://schemas.microsoft.com/office/drawing/2014/main" id="{6A5EC815-A40B-6A8C-81E8-BD027D9D3DAF}"/>
+                <a16:creationId xmlns:a16="http://schemas.microsoft.com/office/drawing/2014/main" id="{28EF283F-AF91-C51E-4287-94D1A85A8489}"/>
               </a:ext>
             </a:extLst>
           </p:cNvPr>
@@ -1846,7 +1846,7 @@
           <p:cNvPr id="9" name="灯片编号占位符 8">
             <a:extLst>
               <a:ext uri="{FF2B5EF4-FFF2-40B4-BE49-F238E27FC236}">
-                <a16:creationId xmlns:a16="http://schemas.microsoft.com/office/drawing/2014/main" id="{9471D5DC-DC4B-708B-C0FB-40A97EB76CB6}"/>
+                <a16:creationId xmlns:a16="http://schemas.microsoft.com/office/drawing/2014/main" id="{C1408F29-2EA8-746F-74CB-E6B208A83ABA}"/>
               </a:ext>
             </a:extLst>
           </p:cNvPr>
@@ -1862,7 +1862,7 @@
           <a:bodyPr/>
           <a:lstStyle/>
           <a:p>
-            <a:fld id="{D6F8AEB8-A874-475D-B75B-54E7C2BC1D3D}" type="slidenum">
+            <a:fld id="{16C4E04F-2E20-4B24-A42A-63881959CE36}" type="slidenum">
               <a:rPr lang="zh-CN" altLang="en-US" smtClean="0"/>
               <a:t>‹#›</a:t>
             </a:fld>
@@ -1873,7 +1873,7 @@
     </p:spTree>
     <p:extLst>
       <p:ext uri="{BB962C8B-B14F-4D97-AF65-F5344CB8AC3E}">
-        <p14:creationId xmlns:p14="http://schemas.microsoft.com/office/powerpoint/2010/main" val="3537438625"/>
+        <p14:creationId xmlns:p14="http://schemas.microsoft.com/office/powerpoint/2010/main" val="2401278949"/>
       </p:ext>
     </p:extLst>
   </p:cSld>
@@ -1905,7 +1905,7 @@
           <p:cNvPr id="2" name="标题 1">
             <a:extLst>
               <a:ext uri="{FF2B5EF4-FFF2-40B4-BE49-F238E27FC236}">
-                <a16:creationId xmlns:a16="http://schemas.microsoft.com/office/drawing/2014/main" id="{51D25E89-6D6B-AE85-BB6A-4696B4D80EAD}"/>
+                <a16:creationId xmlns:a16="http://schemas.microsoft.com/office/drawing/2014/main" id="{DA8DB305-678C-77FD-51DF-7A57571EA529}"/>
               </a:ext>
             </a:extLst>
           </p:cNvPr>
@@ -1933,7 +1933,7 @@
           <p:cNvPr id="3" name="日期占位符 2">
             <a:extLst>
               <a:ext uri="{FF2B5EF4-FFF2-40B4-BE49-F238E27FC236}">
-                <a16:creationId xmlns:a16="http://schemas.microsoft.com/office/drawing/2014/main" id="{384B909F-6F01-80A2-DA80-03B4CEFB2799}"/>
+                <a16:creationId xmlns:a16="http://schemas.microsoft.com/office/drawing/2014/main" id="{BAE0B8F6-6C51-9C98-A4F7-17D6B1799DD4}"/>
               </a:ext>
             </a:extLst>
           </p:cNvPr>
@@ -1949,7 +1949,7 @@
           <a:bodyPr/>
           <a:lstStyle/>
           <a:p>
-            <a:fld id="{7792F236-A4E7-4512-9EA4-AD655AD43D5C}" type="datetimeFigureOut">
+            <a:fld id="{851B6C3F-8D5B-4942-8F8D-9296C8B56F5C}" type="datetimeFigureOut">
               <a:rPr lang="zh-CN" altLang="en-US" smtClean="0"/>
               <a:t>2024/3/10</a:t>
             </a:fld>
@@ -1962,7 +1962,7 @@
           <p:cNvPr id="4" name="页脚占位符 3">
             <a:extLst>
               <a:ext uri="{FF2B5EF4-FFF2-40B4-BE49-F238E27FC236}">
-                <a16:creationId xmlns:a16="http://schemas.microsoft.com/office/drawing/2014/main" id="{6EA5B2E5-4C84-B703-8807-8A3106E06472}"/>
+                <a16:creationId xmlns:a16="http://schemas.microsoft.com/office/drawing/2014/main" id="{7E266778-4E75-C4C6-4787-F3217FE5D157}"/>
               </a:ext>
             </a:extLst>
           </p:cNvPr>
@@ -1987,7 +1987,7 @@
           <p:cNvPr id="5" name="灯片编号占位符 4">
             <a:extLst>
               <a:ext uri="{FF2B5EF4-FFF2-40B4-BE49-F238E27FC236}">
-                <a16:creationId xmlns:a16="http://schemas.microsoft.com/office/drawing/2014/main" id="{E68F99AC-81BB-83F6-8574-59719F9ACB5A}"/>
+                <a16:creationId xmlns:a16="http://schemas.microsoft.com/office/drawing/2014/main" id="{B32438E2-3D20-1F7B-C60C-4D7CB35537EA}"/>
               </a:ext>
             </a:extLst>
           </p:cNvPr>
@@ -2003,7 +2003,7 @@
           <a:bodyPr/>
           <a:lstStyle/>
           <a:p>
-            <a:fld id="{D6F8AEB8-A874-475D-B75B-54E7C2BC1D3D}" type="slidenum">
+            <a:fld id="{16C4E04F-2E20-4B24-A42A-63881959CE36}" type="slidenum">
               <a:rPr lang="zh-CN" altLang="en-US" smtClean="0"/>
               <a:t>‹#›</a:t>
             </a:fld>
@@ -2014,7 +2014,7 @@
     </p:spTree>
     <p:extLst>
       <p:ext uri="{BB962C8B-B14F-4D97-AF65-F5344CB8AC3E}">
-        <p14:creationId xmlns:p14="http://schemas.microsoft.com/office/powerpoint/2010/main" val="3955161200"/>
+        <p14:creationId xmlns:p14="http://schemas.microsoft.com/office/powerpoint/2010/main" val="654035064"/>
       </p:ext>
     </p:extLst>
   </p:cSld>
@@ -2046,7 +2046,7 @@
           <p:cNvPr id="2" name="日期占位符 1">
             <a:extLst>
               <a:ext uri="{FF2B5EF4-FFF2-40B4-BE49-F238E27FC236}">
-                <a16:creationId xmlns:a16="http://schemas.microsoft.com/office/drawing/2014/main" id="{E438F565-AF61-D8B8-A733-654BF31D8556}"/>
+                <a16:creationId xmlns:a16="http://schemas.microsoft.com/office/drawing/2014/main" id="{DD156B78-01C5-B9E6-08F7-86FF50B4A1A5}"/>
               </a:ext>
             </a:extLst>
           </p:cNvPr>
@@ -2062,7 +2062,7 @@
           <a:bodyPr/>
           <a:lstStyle/>
           <a:p>
-            <a:fld id="{7792F236-A4E7-4512-9EA4-AD655AD43D5C}" type="datetimeFigureOut">
+            <a:fld id="{851B6C3F-8D5B-4942-8F8D-9296C8B56F5C}" type="datetimeFigureOut">
               <a:rPr lang="zh-CN" altLang="en-US" smtClean="0"/>
               <a:t>2024/3/10</a:t>
             </a:fld>
@@ -2075,7 +2075,7 @@
           <p:cNvPr id="3" name="页脚占位符 2">
             <a:extLst>
               <a:ext uri="{FF2B5EF4-FFF2-40B4-BE49-F238E27FC236}">
-                <a16:creationId xmlns:a16="http://schemas.microsoft.com/office/drawing/2014/main" id="{B2BD90D1-4D93-F0DE-71CC-0EB0049678ED}"/>
+                <a16:creationId xmlns:a16="http://schemas.microsoft.com/office/drawing/2014/main" id="{EF98C6ED-0505-F009-4790-375509B8A0E3}"/>
               </a:ext>
             </a:extLst>
           </p:cNvPr>
@@ -2100,7 +2100,7 @@
           <p:cNvPr id="4" name="灯片编号占位符 3">
             <a:extLst>
               <a:ext uri="{FF2B5EF4-FFF2-40B4-BE49-F238E27FC236}">
-                <a16:creationId xmlns:a16="http://schemas.microsoft.com/office/drawing/2014/main" id="{D3924C81-AE68-0CBC-D115-416BE499C22F}"/>
+                <a16:creationId xmlns:a16="http://schemas.microsoft.com/office/drawing/2014/main" id="{0BB2B65E-FB4A-9761-909B-4585A8D01A16}"/>
               </a:ext>
             </a:extLst>
           </p:cNvPr>
@@ -2116,7 +2116,7 @@
           <a:bodyPr/>
           <a:lstStyle/>
           <a:p>
-            <a:fld id="{D6F8AEB8-A874-475D-B75B-54E7C2BC1D3D}" type="slidenum">
+            <a:fld id="{16C4E04F-2E20-4B24-A42A-63881959CE36}" type="slidenum">
               <a:rPr lang="zh-CN" altLang="en-US" smtClean="0"/>
               <a:t>‹#›</a:t>
             </a:fld>
@@ -2127,7 +2127,7 @@
     </p:spTree>
     <p:extLst>
       <p:ext uri="{BB962C8B-B14F-4D97-AF65-F5344CB8AC3E}">
-        <p14:creationId xmlns:p14="http://schemas.microsoft.com/office/powerpoint/2010/main" val="2749135776"/>
+        <p14:creationId xmlns:p14="http://schemas.microsoft.com/office/powerpoint/2010/main" val="2177761120"/>
       </p:ext>
     </p:extLst>
   </p:cSld>
@@ -2159,7 +2159,7 @@
           <p:cNvPr id="2" name="标题 1">
             <a:extLst>
               <a:ext uri="{FF2B5EF4-FFF2-40B4-BE49-F238E27FC236}">
-                <a16:creationId xmlns:a16="http://schemas.microsoft.com/office/drawing/2014/main" id="{F29C7A95-D008-4203-4750-283A27210FC9}"/>
+                <a16:creationId xmlns:a16="http://schemas.microsoft.com/office/drawing/2014/main" id="{3D4B8688-2A89-4874-97EE-8A4F3CCA3B09}"/>
               </a:ext>
             </a:extLst>
           </p:cNvPr>
@@ -2196,7 +2196,7 @@
           <p:cNvPr id="3" name="内容占位符 2">
             <a:extLst>
               <a:ext uri="{FF2B5EF4-FFF2-40B4-BE49-F238E27FC236}">
-                <a16:creationId xmlns:a16="http://schemas.microsoft.com/office/drawing/2014/main" id="{92DDFB03-A229-060E-6CC8-990BE5C7B3A0}"/>
+                <a16:creationId xmlns:a16="http://schemas.microsoft.com/office/drawing/2014/main" id="{DF99464C-E727-4851-0518-A471611ECE22}"/>
               </a:ext>
             </a:extLst>
           </p:cNvPr>
@@ -2286,7 +2286,7 @@
           <p:cNvPr id="4" name="文本占位符 3">
             <a:extLst>
               <a:ext uri="{FF2B5EF4-FFF2-40B4-BE49-F238E27FC236}">
-                <a16:creationId xmlns:a16="http://schemas.microsoft.com/office/drawing/2014/main" id="{FE61DCC5-6A90-C871-5072-AF72075736EE}"/>
+                <a16:creationId xmlns:a16="http://schemas.microsoft.com/office/drawing/2014/main" id="{E28B1C92-0361-3C93-F939-C0B1D33B22BC}"/>
               </a:ext>
             </a:extLst>
           </p:cNvPr>
@@ -2357,7 +2357,7 @@
           <p:cNvPr id="5" name="日期占位符 4">
             <a:extLst>
               <a:ext uri="{FF2B5EF4-FFF2-40B4-BE49-F238E27FC236}">
-                <a16:creationId xmlns:a16="http://schemas.microsoft.com/office/drawing/2014/main" id="{262CB0C9-8A96-7182-47BF-69FAD39C33E0}"/>
+                <a16:creationId xmlns:a16="http://schemas.microsoft.com/office/drawing/2014/main" id="{9C35B68E-D2FD-5327-670C-9802F7D9D385}"/>
               </a:ext>
             </a:extLst>
           </p:cNvPr>
@@ -2373,7 +2373,7 @@
           <a:bodyPr/>
           <a:lstStyle/>
           <a:p>
-            <a:fld id="{7792F236-A4E7-4512-9EA4-AD655AD43D5C}" type="datetimeFigureOut">
+            <a:fld id="{851B6C3F-8D5B-4942-8F8D-9296C8B56F5C}" type="datetimeFigureOut">
               <a:rPr lang="zh-CN" altLang="en-US" smtClean="0"/>
               <a:t>2024/3/10</a:t>
             </a:fld>
@@ -2386,7 +2386,7 @@
           <p:cNvPr id="6" name="页脚占位符 5">
             <a:extLst>
               <a:ext uri="{FF2B5EF4-FFF2-40B4-BE49-F238E27FC236}">
-                <a16:creationId xmlns:a16="http://schemas.microsoft.com/office/drawing/2014/main" id="{9287EC03-F953-86EE-56A7-C754EDCE219E}"/>
+                <a16:creationId xmlns:a16="http://schemas.microsoft.com/office/drawing/2014/main" id="{E74CBA1B-CE09-6952-61F1-62AAF3C5E286}"/>
               </a:ext>
             </a:extLst>
           </p:cNvPr>
@@ -2411,7 +2411,7 @@
           <p:cNvPr id="7" name="灯片编号占位符 6">
             <a:extLst>
               <a:ext uri="{FF2B5EF4-FFF2-40B4-BE49-F238E27FC236}">
-                <a16:creationId xmlns:a16="http://schemas.microsoft.com/office/drawing/2014/main" id="{533DA5DE-25B7-815D-4115-FDD53425093F}"/>
+                <a16:creationId xmlns:a16="http://schemas.microsoft.com/office/drawing/2014/main" id="{70E8CC3C-9DB7-0ED2-F39C-395AB7588DBF}"/>
               </a:ext>
             </a:extLst>
           </p:cNvPr>
@@ -2427,7 +2427,7 @@
           <a:bodyPr/>
           <a:lstStyle/>
           <a:p>
-            <a:fld id="{D6F8AEB8-A874-475D-B75B-54E7C2BC1D3D}" type="slidenum">
+            <a:fld id="{16C4E04F-2E20-4B24-A42A-63881959CE36}" type="slidenum">
               <a:rPr lang="zh-CN" altLang="en-US" smtClean="0"/>
               <a:t>‹#›</a:t>
             </a:fld>
@@ -2438,7 +2438,7 @@
     </p:spTree>
     <p:extLst>
       <p:ext uri="{BB962C8B-B14F-4D97-AF65-F5344CB8AC3E}">
-        <p14:creationId xmlns:p14="http://schemas.microsoft.com/office/powerpoint/2010/main" val="630035697"/>
+        <p14:creationId xmlns:p14="http://schemas.microsoft.com/office/powerpoint/2010/main" val="2543294713"/>
       </p:ext>
     </p:extLst>
   </p:cSld>
@@ -2470,7 +2470,7 @@
           <p:cNvPr id="2" name="标题 1">
             <a:extLst>
               <a:ext uri="{FF2B5EF4-FFF2-40B4-BE49-F238E27FC236}">
-                <a16:creationId xmlns:a16="http://schemas.microsoft.com/office/drawing/2014/main" id="{82610484-B4D5-007F-2CF3-A062A5961E4B}"/>
+                <a16:creationId xmlns:a16="http://schemas.microsoft.com/office/drawing/2014/main" id="{7C3661EB-F211-6E90-8671-83CB509069F8}"/>
               </a:ext>
             </a:extLst>
           </p:cNvPr>
@@ -2507,7 +2507,7 @@
           <p:cNvPr id="3" name="图片占位符 2">
             <a:extLst>
               <a:ext uri="{FF2B5EF4-FFF2-40B4-BE49-F238E27FC236}">
-                <a16:creationId xmlns:a16="http://schemas.microsoft.com/office/drawing/2014/main" id="{6D647E92-9142-9FA8-02BD-F100FC5AC22A}"/>
+                <a16:creationId xmlns:a16="http://schemas.microsoft.com/office/drawing/2014/main" id="{8EF181E4-61B2-8139-A03A-17164C37A628}"/>
               </a:ext>
             </a:extLst>
           </p:cNvPr>
@@ -2574,7 +2574,7 @@
           <p:cNvPr id="4" name="文本占位符 3">
             <a:extLst>
               <a:ext uri="{FF2B5EF4-FFF2-40B4-BE49-F238E27FC236}">
-                <a16:creationId xmlns:a16="http://schemas.microsoft.com/office/drawing/2014/main" id="{9DC43680-032C-6617-1DC8-F1F4311449C2}"/>
+                <a16:creationId xmlns:a16="http://schemas.microsoft.com/office/drawing/2014/main" id="{724DD8D2-7860-62E9-5735-61C803C4F7EE}"/>
               </a:ext>
             </a:extLst>
           </p:cNvPr>
@@ -2645,7 +2645,7 @@
           <p:cNvPr id="5" name="日期占位符 4">
             <a:extLst>
               <a:ext uri="{FF2B5EF4-FFF2-40B4-BE49-F238E27FC236}">
-                <a16:creationId xmlns:a16="http://schemas.microsoft.com/office/drawing/2014/main" id="{061B5C90-58A0-682C-2806-4F971A4A3D09}"/>
+                <a16:creationId xmlns:a16="http://schemas.microsoft.com/office/drawing/2014/main" id="{6F5C3202-A2D7-4162-2EA8-739397640142}"/>
               </a:ext>
             </a:extLst>
           </p:cNvPr>
@@ -2661,7 +2661,7 @@
           <a:bodyPr/>
           <a:lstStyle/>
           <a:p>
-            <a:fld id="{7792F236-A4E7-4512-9EA4-AD655AD43D5C}" type="datetimeFigureOut">
+            <a:fld id="{851B6C3F-8D5B-4942-8F8D-9296C8B56F5C}" type="datetimeFigureOut">
               <a:rPr lang="zh-CN" altLang="en-US" smtClean="0"/>
               <a:t>2024/3/10</a:t>
             </a:fld>
@@ -2674,7 +2674,7 @@
           <p:cNvPr id="6" name="页脚占位符 5">
             <a:extLst>
               <a:ext uri="{FF2B5EF4-FFF2-40B4-BE49-F238E27FC236}">
-                <a16:creationId xmlns:a16="http://schemas.microsoft.com/office/drawing/2014/main" id="{FDAD554B-2FB1-A94F-02A0-423BAA62EF2B}"/>
+                <a16:creationId xmlns:a16="http://schemas.microsoft.com/office/drawing/2014/main" id="{34028E55-C7E7-60A5-5178-FD5CF93D8A8F}"/>
               </a:ext>
             </a:extLst>
           </p:cNvPr>
@@ -2699,7 +2699,7 @@
           <p:cNvPr id="7" name="灯片编号占位符 6">
             <a:extLst>
               <a:ext uri="{FF2B5EF4-FFF2-40B4-BE49-F238E27FC236}">
-                <a16:creationId xmlns:a16="http://schemas.microsoft.com/office/drawing/2014/main" id="{6A8B3B00-2987-6463-48BA-6B8ED465CD4C}"/>
+                <a16:creationId xmlns:a16="http://schemas.microsoft.com/office/drawing/2014/main" id="{23D2CC62-915A-26BF-5710-7221BC82E81F}"/>
               </a:ext>
             </a:extLst>
           </p:cNvPr>
@@ -2715,7 +2715,7 @@
           <a:bodyPr/>
           <a:lstStyle/>
           <a:p>
-            <a:fld id="{D6F8AEB8-A874-475D-B75B-54E7C2BC1D3D}" type="slidenum">
+            <a:fld id="{16C4E04F-2E20-4B24-A42A-63881959CE36}" type="slidenum">
               <a:rPr lang="zh-CN" altLang="en-US" smtClean="0"/>
               <a:t>‹#›</a:t>
             </a:fld>
@@ -2726,7 +2726,7 @@
     </p:spTree>
     <p:extLst>
       <p:ext uri="{BB962C8B-B14F-4D97-AF65-F5344CB8AC3E}">
-        <p14:creationId xmlns:p14="http://schemas.microsoft.com/office/powerpoint/2010/main" val="3996565184"/>
+        <p14:creationId xmlns:p14="http://schemas.microsoft.com/office/powerpoint/2010/main" val="404495573"/>
       </p:ext>
     </p:extLst>
   </p:cSld>
@@ -2763,7 +2763,7 @@
           <p:cNvPr id="2" name="标题占位符 1">
             <a:extLst>
               <a:ext uri="{FF2B5EF4-FFF2-40B4-BE49-F238E27FC236}">
-                <a16:creationId xmlns:a16="http://schemas.microsoft.com/office/drawing/2014/main" id="{3FFCCCD9-67B7-2AFC-4BAE-29212436A094}"/>
+                <a16:creationId xmlns:a16="http://schemas.microsoft.com/office/drawing/2014/main" id="{2A6C8BF6-83D5-C0C7-9170-FE34311DC8BC}"/>
               </a:ext>
             </a:extLst>
           </p:cNvPr>
@@ -2801,7 +2801,7 @@
           <p:cNvPr id="3" name="文本占位符 2">
             <a:extLst>
               <a:ext uri="{FF2B5EF4-FFF2-40B4-BE49-F238E27FC236}">
-                <a16:creationId xmlns:a16="http://schemas.microsoft.com/office/drawing/2014/main" id="{B29BE254-2E37-F76B-EB16-D0324B9A0455}"/>
+                <a16:creationId xmlns:a16="http://schemas.microsoft.com/office/drawing/2014/main" id="{8B662879-CD11-2620-AB7D-5A8CC0D75A4C}"/>
               </a:ext>
             </a:extLst>
           </p:cNvPr>
@@ -2868,7 +2868,7 @@
           <p:cNvPr id="4" name="日期占位符 3">
             <a:extLst>
               <a:ext uri="{FF2B5EF4-FFF2-40B4-BE49-F238E27FC236}">
-                <a16:creationId xmlns:a16="http://schemas.microsoft.com/office/drawing/2014/main" id="{56E880F6-97AC-0A53-F842-50F2B8E37407}"/>
+                <a16:creationId xmlns:a16="http://schemas.microsoft.com/office/drawing/2014/main" id="{E86F551F-97D1-3397-AD2D-1B692718C137}"/>
               </a:ext>
             </a:extLst>
           </p:cNvPr>
@@ -2902,7 +2902,7 @@
             </a:lvl1pPr>
           </a:lstStyle>
           <a:p>
-            <a:fld id="{7792F236-A4E7-4512-9EA4-AD655AD43D5C}" type="datetimeFigureOut">
+            <a:fld id="{851B6C3F-8D5B-4942-8F8D-9296C8B56F5C}" type="datetimeFigureOut">
               <a:rPr lang="zh-CN" altLang="en-US" smtClean="0"/>
               <a:t>2024/3/10</a:t>
             </a:fld>
@@ -2915,7 +2915,7 @@
           <p:cNvPr id="5" name="页脚占位符 4">
             <a:extLst>
               <a:ext uri="{FF2B5EF4-FFF2-40B4-BE49-F238E27FC236}">
-                <a16:creationId xmlns:a16="http://schemas.microsoft.com/office/drawing/2014/main" id="{4458297E-F9C7-340D-ECD7-04C5761DC2D9}"/>
+                <a16:creationId xmlns:a16="http://schemas.microsoft.com/office/drawing/2014/main" id="{AD63111D-4D8F-EF5D-74E0-60BCF7BB6264}"/>
               </a:ext>
             </a:extLst>
           </p:cNvPr>
@@ -2958,7 +2958,7 @@
           <p:cNvPr id="6" name="灯片编号占位符 5">
             <a:extLst>
               <a:ext uri="{FF2B5EF4-FFF2-40B4-BE49-F238E27FC236}">
-                <a16:creationId xmlns:a16="http://schemas.microsoft.com/office/drawing/2014/main" id="{A693FD7D-08C8-18A1-A41C-4695F9B1149A}"/>
+                <a16:creationId xmlns:a16="http://schemas.microsoft.com/office/drawing/2014/main" id="{0345529B-A944-A8B3-77C1-E664A30DB8DB}"/>
               </a:ext>
             </a:extLst>
           </p:cNvPr>
@@ -2992,7 +2992,7 @@
             </a:lvl1pPr>
           </a:lstStyle>
           <a:p>
-            <a:fld id="{D6F8AEB8-A874-475D-B75B-54E7C2BC1D3D}" type="slidenum">
+            <a:fld id="{16C4E04F-2E20-4B24-A42A-63881959CE36}" type="slidenum">
               <a:rPr lang="zh-CN" altLang="en-US" smtClean="0"/>
               <a:t>‹#›</a:t>
             </a:fld>
@@ -3003,7 +3003,7 @@
     </p:spTree>
     <p:extLst>
       <p:ext uri="{BB962C8B-B14F-4D97-AF65-F5344CB8AC3E}">
-        <p14:creationId xmlns:p14="http://schemas.microsoft.com/office/powerpoint/2010/main" val="1794675576"/>
+        <p14:creationId xmlns:p14="http://schemas.microsoft.com/office/powerpoint/2010/main" val="1820302106"/>
       </p:ext>
     </p:extLst>
   </p:cSld>
